--- a/hr-database/HoanNT19.pptx
+++ b/hr-database/HoanNT19.pptx
@@ -28727,10 +28727,10 @@
       </p:sp>
       <p:pic>
         <p:nvPicPr>
-          <p:cNvPr id="2" name="Picture 1">
+          <p:cNvPr id="3" name="Picture 2" descr="A diagram of a company&#10;&#10;Description automatically generated">
             <a:extLst>
               <a:ext uri="{FF2B5EF4-FFF2-40B4-BE49-F238E27FC236}">
-                <a16:creationId xmlns:a16="http://schemas.microsoft.com/office/drawing/2014/main" id="{D1B22114-DD77-A236-E174-261B40AB7FDF}"/>
+                <a16:creationId xmlns:a16="http://schemas.microsoft.com/office/drawing/2014/main" id="{A960A73A-B3D4-7972-5F6E-22CAE754D473}"/>
               </a:ext>
             </a:extLst>
           </p:cNvPr>
@@ -28747,8 +28747,8 @@
         </p:blipFill>
         <p:spPr>
           <a:xfrm>
-            <a:off x="0" y="6119674"/>
-            <a:ext cx="7772400" cy="2825600"/>
+            <a:off x="0" y="5029200"/>
+            <a:ext cx="7772400" cy="4467966"/>
           </a:xfrm>
           <a:prstGeom prst="rect">
             <a:avLst/>
@@ -29010,10 +29010,10 @@
       </p:sp>
       <p:pic>
         <p:nvPicPr>
-          <p:cNvPr id="2" name="Picture 1">
+          <p:cNvPr id="4" name="Picture 3" descr="A diagram of a company&#10;&#10;Description automatically generated">
             <a:extLst>
               <a:ext uri="{FF2B5EF4-FFF2-40B4-BE49-F238E27FC236}">
-                <a16:creationId xmlns:a16="http://schemas.microsoft.com/office/drawing/2014/main" id="{A94E2F3E-3B73-AC02-8F09-06ECC1E96B09}"/>
+                <a16:creationId xmlns:a16="http://schemas.microsoft.com/office/drawing/2014/main" id="{475625D2-CD37-5C1D-D6EF-B4B497E91ECA}"/>
               </a:ext>
             </a:extLst>
           </p:cNvPr>
@@ -29030,8 +29030,8 @@
         </p:blipFill>
         <p:spPr>
           <a:xfrm>
-            <a:off x="0" y="5777665"/>
-            <a:ext cx="7772400" cy="3627592"/>
+            <a:off x="0" y="4842867"/>
+            <a:ext cx="7772400" cy="4345262"/>
           </a:xfrm>
           <a:prstGeom prst="rect">
             <a:avLst/>
@@ -29225,10 +29225,10 @@
       </p:sp>
       <p:pic>
         <p:nvPicPr>
-          <p:cNvPr id="3" name="Picture 2">
+          <p:cNvPr id="3" name="Picture 2" descr="A diagram of a company&#10;&#10;Description automatically generated">
             <a:extLst>
               <a:ext uri="{FF2B5EF4-FFF2-40B4-BE49-F238E27FC236}">
-                <a16:creationId xmlns:a16="http://schemas.microsoft.com/office/drawing/2014/main" id="{2BFDE325-9210-8324-9F22-B177F4F7E468}"/>
+                <a16:creationId xmlns:a16="http://schemas.microsoft.com/office/drawing/2014/main" id="{D71A96C2-DFC7-E4BF-9809-455AA5A4BDFB}"/>
               </a:ext>
             </a:extLst>
           </p:cNvPr>
@@ -29245,8 +29245,8 @@
         </p:blipFill>
         <p:spPr>
           <a:xfrm>
-            <a:off x="0" y="5856124"/>
-            <a:ext cx="7772400" cy="3648710"/>
+            <a:off x="0" y="5486400"/>
+            <a:ext cx="7772400" cy="4480560"/>
           </a:xfrm>
           <a:prstGeom prst="rect">
             <a:avLst/>
@@ -30477,8 +30477,38 @@
         </p:blipFill>
         <p:spPr>
           <a:xfrm>
-            <a:off x="0" y="4035807"/>
-            <a:ext cx="7772400" cy="6022593"/>
+            <a:off x="0" y="4035808"/>
+            <a:ext cx="7772400" cy="3004234"/>
+          </a:xfrm>
+          <a:prstGeom prst="rect">
+            <a:avLst/>
+          </a:prstGeom>
+        </p:spPr>
+      </p:pic>
+      <p:pic>
+        <p:nvPicPr>
+          <p:cNvPr id="3" name="Picture 2">
+            <a:extLst>
+              <a:ext uri="{FF2B5EF4-FFF2-40B4-BE49-F238E27FC236}">
+                <a16:creationId xmlns:a16="http://schemas.microsoft.com/office/drawing/2014/main" id="{00F93B06-F261-11BC-9D38-6298F4630944}"/>
+              </a:ext>
+            </a:extLst>
+          </p:cNvPr>
+          <p:cNvPicPr>
+            <a:picLocks noChangeAspect="1"/>
+          </p:cNvPicPr>
+          <p:nvPr/>
+        </p:nvPicPr>
+        <p:blipFill>
+          <a:blip r:embed="rId4"/>
+          <a:stretch>
+            <a:fillRect/>
+          </a:stretch>
+        </p:blipFill>
+        <p:spPr>
+          <a:xfrm>
+            <a:off x="0" y="7040042"/>
+            <a:ext cx="7772400" cy="3302649"/>
           </a:xfrm>
           <a:prstGeom prst="rect">
             <a:avLst/>
